--- a/React前端实践.pptx
+++ b/React前端实践.pptx
@@ -287,7 +287,7 @@
           <a:p>
             <a:fld id="{65CFC084-7573-F641-ACD7-B203CC884CF6}" type="datetimeFigureOut">
               <a:rPr kumimoji="1" lang="zh-CN" altLang="en-US" smtClean="0"/>
-              <a:t>16/8/15</a:t>
+              <a:t>16/10/25</a:t>
             </a:fld>
             <a:endParaRPr kumimoji="1" lang="zh-CN" altLang="en-US"/>
           </a:p>
@@ -453,7 +453,7 @@
             <a:fld id="{2CD53510-93AC-4CFF-AA3F-5A06DAF66ADA}" type="datetimeFigureOut">
               <a:rPr lang="en-US" smtClean="0"/>
               <a:pPr/>
-              <a:t>8/15/16</a:t>
+              <a:t>10/25/16</a:t>
             </a:fld>
             <a:endParaRPr lang="en-US"/>
           </a:p>
@@ -18256,7 +18256,7 @@
           <a:p>
             <a:fld id="{52851385-B520-5F4F-A23F-4B37E4D7ABC0}" type="datetime1">
               <a:rPr kumimoji="1" lang="zh-CN" altLang="en-US" smtClean="0"/>
-              <a:t>16/8/15</a:t>
+              <a:t>16/10/25</a:t>
             </a:fld>
             <a:endParaRPr kumimoji="1" lang="zh-CN" altLang="en-US" dirty="0"/>
           </a:p>
@@ -18463,7 +18463,7 @@
           <a:p>
             <a:fld id="{243E2ACB-9D22-5944-BD04-C01C0774A4A0}" type="datetimeFigureOut">
               <a:rPr kumimoji="1" lang="zh-CN" altLang="en-US" smtClean="0"/>
-              <a:t>16/8/15</a:t>
+              <a:t>16/10/25</a:t>
             </a:fld>
             <a:endParaRPr kumimoji="1" lang="zh-CN" altLang="en-US"/>
           </a:p>
